--- a/docs/Architecture.pptx
+++ b/docs/Architecture.pptx
@@ -4,6 +4,9 @@
   <p:sldMasterIdLst>
     <p:sldMasterId id="2147483648" r:id="rId1"/>
   </p:sldMasterIdLst>
+  <p:notesMasterIdLst>
+    <p:notesMasterId r:id="rId3"/>
+  </p:notesMasterIdLst>
   <p:sldIdLst>
     <p:sldId id="256" r:id="rId2"/>
   </p:sldIdLst>
@@ -107,6 +110,440 @@
 </p:presentation>
 </file>
 
+<file path=ppt/notesMasters/notesMaster1.xml><?xml version="1.0" encoding="utf-8"?>
+<p:notesMaster xmlns:a="http://schemas.openxmlformats.org/drawingml/2006/main" xmlns:r="http://schemas.openxmlformats.org/officeDocument/2006/relationships" xmlns:p="http://schemas.openxmlformats.org/presentationml/2006/main">
+  <p:cSld>
+    <p:bg>
+      <p:bgRef idx="1001">
+        <a:schemeClr val="bg1"/>
+      </p:bgRef>
+    </p:bg>
+    <p:spTree>
+      <p:nvGrpSpPr>
+        <p:cNvPr id="1" name=""/>
+        <p:cNvGrpSpPr/>
+        <p:nvPr/>
+      </p:nvGrpSpPr>
+      <p:grpSpPr>
+        <a:xfrm>
+          <a:off x="0" y="0"/>
+          <a:ext cx="0" cy="0"/>
+          <a:chOff x="0" y="0"/>
+          <a:chExt cx="0" cy="0"/>
+        </a:xfrm>
+      </p:grpSpPr>
+      <p:sp>
+        <p:nvSpPr>
+          <p:cNvPr id="2" name="Header Placeholder 1"/>
+          <p:cNvSpPr>
+            <a:spLocks noGrp="1"/>
+          </p:cNvSpPr>
+          <p:nvPr>
+            <p:ph type="hdr" sz="quarter"/>
+          </p:nvPr>
+        </p:nvSpPr>
+        <p:spPr>
+          <a:xfrm>
+            <a:off x="0" y="0"/>
+            <a:ext cx="2971800" cy="457200"/>
+          </a:xfrm>
+          <a:prstGeom prst="rect">
+            <a:avLst/>
+          </a:prstGeom>
+        </p:spPr>
+        <p:txBody>
+          <a:bodyPr vert="horz" lIns="91440" tIns="45720" rIns="91440" bIns="45720" rtlCol="0"/>
+          <a:lstStyle>
+            <a:lvl1pPr algn="l">
+              <a:defRPr sz="1200"/>
+            </a:lvl1pPr>
+          </a:lstStyle>
+          <a:p>
+            <a:endParaRPr lang="en-CA"/>
+          </a:p>
+        </p:txBody>
+      </p:sp>
+      <p:sp>
+        <p:nvSpPr>
+          <p:cNvPr id="3" name="Date Placeholder 2"/>
+          <p:cNvSpPr>
+            <a:spLocks noGrp="1"/>
+          </p:cNvSpPr>
+          <p:nvPr>
+            <p:ph type="dt" idx="1"/>
+          </p:nvPr>
+        </p:nvSpPr>
+        <p:spPr>
+          <a:xfrm>
+            <a:off x="3884613" y="0"/>
+            <a:ext cx="2971800" cy="457200"/>
+          </a:xfrm>
+          <a:prstGeom prst="rect">
+            <a:avLst/>
+          </a:prstGeom>
+        </p:spPr>
+        <p:txBody>
+          <a:bodyPr vert="horz" lIns="91440" tIns="45720" rIns="91440" bIns="45720" rtlCol="0"/>
+          <a:lstStyle>
+            <a:lvl1pPr algn="r">
+              <a:defRPr sz="1200"/>
+            </a:lvl1pPr>
+          </a:lstStyle>
+          <a:p>
+            <a:fld id="{12C73BD1-E919-4514-A897-6086B61B6A01}" type="datetimeFigureOut">
+              <a:rPr lang="en-CA" smtClean="0"/>
+              <a:t>05/07/2014</a:t>
+            </a:fld>
+            <a:endParaRPr lang="en-CA"/>
+          </a:p>
+        </p:txBody>
+      </p:sp>
+      <p:sp>
+        <p:nvSpPr>
+          <p:cNvPr id="4" name="Slide Image Placeholder 3"/>
+          <p:cNvSpPr>
+            <a:spLocks noGrp="1" noRot="1" noChangeAspect="1"/>
+          </p:cNvSpPr>
+          <p:nvPr>
+            <p:ph type="sldImg" idx="2"/>
+          </p:nvPr>
+        </p:nvSpPr>
+        <p:spPr>
+          <a:xfrm>
+            <a:off x="1143000" y="685800"/>
+            <a:ext cx="4572000" cy="3429000"/>
+          </a:xfrm>
+          <a:prstGeom prst="rect">
+            <a:avLst/>
+          </a:prstGeom>
+          <a:noFill/>
+          <a:ln w="12700">
+            <a:solidFill>
+              <a:prstClr val="black"/>
+            </a:solidFill>
+          </a:ln>
+        </p:spPr>
+        <p:txBody>
+          <a:bodyPr vert="horz" lIns="91440" tIns="45720" rIns="91440" bIns="45720" rtlCol="0" anchor="ctr"/>
+          <a:lstStyle/>
+          <a:p>
+            <a:endParaRPr lang="en-CA"/>
+          </a:p>
+        </p:txBody>
+      </p:sp>
+      <p:sp>
+        <p:nvSpPr>
+          <p:cNvPr id="5" name="Notes Placeholder 4"/>
+          <p:cNvSpPr>
+            <a:spLocks noGrp="1"/>
+          </p:cNvSpPr>
+          <p:nvPr>
+            <p:ph type="body" sz="quarter" idx="3"/>
+          </p:nvPr>
+        </p:nvSpPr>
+        <p:spPr>
+          <a:xfrm>
+            <a:off x="685800" y="4343400"/>
+            <a:ext cx="5486400" cy="4114800"/>
+          </a:xfrm>
+          <a:prstGeom prst="rect">
+            <a:avLst/>
+          </a:prstGeom>
+        </p:spPr>
+        <p:txBody>
+          <a:bodyPr vert="horz" lIns="91440" tIns="45720" rIns="91440" bIns="45720" rtlCol="0"/>
+          <a:lstStyle/>
+          <a:p>
+            <a:pPr lvl="0"/>
+            <a:r>
+              <a:rPr lang="en-US" smtClean="0"/>
+              <a:t>Click to edit Master text styles</a:t>
+            </a:r>
+          </a:p>
+          <a:p>
+            <a:pPr lvl="1"/>
+            <a:r>
+              <a:rPr lang="en-US" smtClean="0"/>
+              <a:t>Second level</a:t>
+            </a:r>
+          </a:p>
+          <a:p>
+            <a:pPr lvl="2"/>
+            <a:r>
+              <a:rPr lang="en-US" smtClean="0"/>
+              <a:t>Third level</a:t>
+            </a:r>
+          </a:p>
+          <a:p>
+            <a:pPr lvl="3"/>
+            <a:r>
+              <a:rPr lang="en-US" smtClean="0"/>
+              <a:t>Fourth level</a:t>
+            </a:r>
+          </a:p>
+          <a:p>
+            <a:pPr lvl="4"/>
+            <a:r>
+              <a:rPr lang="en-US" smtClean="0"/>
+              <a:t>Fifth level</a:t>
+            </a:r>
+            <a:endParaRPr lang="en-CA"/>
+          </a:p>
+        </p:txBody>
+      </p:sp>
+      <p:sp>
+        <p:nvSpPr>
+          <p:cNvPr id="6" name="Footer Placeholder 5"/>
+          <p:cNvSpPr>
+            <a:spLocks noGrp="1"/>
+          </p:cNvSpPr>
+          <p:nvPr>
+            <p:ph type="ftr" sz="quarter" idx="4"/>
+          </p:nvPr>
+        </p:nvSpPr>
+        <p:spPr>
+          <a:xfrm>
+            <a:off x="0" y="8685213"/>
+            <a:ext cx="2971800" cy="457200"/>
+          </a:xfrm>
+          <a:prstGeom prst="rect">
+            <a:avLst/>
+          </a:prstGeom>
+        </p:spPr>
+        <p:txBody>
+          <a:bodyPr vert="horz" lIns="91440" tIns="45720" rIns="91440" bIns="45720" rtlCol="0" anchor="b"/>
+          <a:lstStyle>
+            <a:lvl1pPr algn="l">
+              <a:defRPr sz="1200"/>
+            </a:lvl1pPr>
+          </a:lstStyle>
+          <a:p>
+            <a:endParaRPr lang="en-CA"/>
+          </a:p>
+        </p:txBody>
+      </p:sp>
+      <p:sp>
+        <p:nvSpPr>
+          <p:cNvPr id="7" name="Slide Number Placeholder 6"/>
+          <p:cNvSpPr>
+            <a:spLocks noGrp="1"/>
+          </p:cNvSpPr>
+          <p:nvPr>
+            <p:ph type="sldNum" sz="quarter" idx="5"/>
+          </p:nvPr>
+        </p:nvSpPr>
+        <p:spPr>
+          <a:xfrm>
+            <a:off x="3884613" y="8685213"/>
+            <a:ext cx="2971800" cy="457200"/>
+          </a:xfrm>
+          <a:prstGeom prst="rect">
+            <a:avLst/>
+          </a:prstGeom>
+        </p:spPr>
+        <p:txBody>
+          <a:bodyPr vert="horz" lIns="91440" tIns="45720" rIns="91440" bIns="45720" rtlCol="0" anchor="b"/>
+          <a:lstStyle>
+            <a:lvl1pPr algn="r">
+              <a:defRPr sz="1200"/>
+            </a:lvl1pPr>
+          </a:lstStyle>
+          <a:p>
+            <a:fld id="{9DF57301-B74E-43BD-B10A-FB446A59A666}" type="slidenum">
+              <a:rPr lang="en-CA" smtClean="0"/>
+              <a:t>‹#›</a:t>
+            </a:fld>
+            <a:endParaRPr lang="en-CA"/>
+          </a:p>
+        </p:txBody>
+      </p:sp>
+    </p:spTree>
+    <p:extLst>
+      <p:ext uri="{BB962C8B-B14F-4D97-AF65-F5344CB8AC3E}">
+        <p14:creationId xmlns:p14="http://schemas.microsoft.com/office/powerpoint/2010/main" val="335846321"/>
+      </p:ext>
+    </p:extLst>
+  </p:cSld>
+  <p:clrMap bg1="lt1" tx1="dk1" bg2="lt2" tx2="dk2" accent1="accent1" accent2="accent2" accent3="accent3" accent4="accent4" accent5="accent5" accent6="accent6" hlink="hlink" folHlink="folHlink"/>
+  <p:notesStyle>
+    <a:lvl1pPr marL="0" algn="l" defTabSz="914400" rtl="0" eaLnBrk="1" latinLnBrk="0" hangingPunct="1">
+      <a:defRPr sz="1200" kern="1200">
+        <a:solidFill>
+          <a:schemeClr val="tx1"/>
+        </a:solidFill>
+        <a:latin typeface="+mn-lt"/>
+        <a:ea typeface="+mn-ea"/>
+        <a:cs typeface="+mn-cs"/>
+      </a:defRPr>
+    </a:lvl1pPr>
+    <a:lvl2pPr marL="457200" algn="l" defTabSz="914400" rtl="0" eaLnBrk="1" latinLnBrk="0" hangingPunct="1">
+      <a:defRPr sz="1200" kern="1200">
+        <a:solidFill>
+          <a:schemeClr val="tx1"/>
+        </a:solidFill>
+        <a:latin typeface="+mn-lt"/>
+        <a:ea typeface="+mn-ea"/>
+        <a:cs typeface="+mn-cs"/>
+      </a:defRPr>
+    </a:lvl2pPr>
+    <a:lvl3pPr marL="914400" algn="l" defTabSz="914400" rtl="0" eaLnBrk="1" latinLnBrk="0" hangingPunct="1">
+      <a:defRPr sz="1200" kern="1200">
+        <a:solidFill>
+          <a:schemeClr val="tx1"/>
+        </a:solidFill>
+        <a:latin typeface="+mn-lt"/>
+        <a:ea typeface="+mn-ea"/>
+        <a:cs typeface="+mn-cs"/>
+      </a:defRPr>
+    </a:lvl3pPr>
+    <a:lvl4pPr marL="1371600" algn="l" defTabSz="914400" rtl="0" eaLnBrk="1" latinLnBrk="0" hangingPunct="1">
+      <a:defRPr sz="1200" kern="1200">
+        <a:solidFill>
+          <a:schemeClr val="tx1"/>
+        </a:solidFill>
+        <a:latin typeface="+mn-lt"/>
+        <a:ea typeface="+mn-ea"/>
+        <a:cs typeface="+mn-cs"/>
+      </a:defRPr>
+    </a:lvl4pPr>
+    <a:lvl5pPr marL="1828800" algn="l" defTabSz="914400" rtl="0" eaLnBrk="1" latinLnBrk="0" hangingPunct="1">
+      <a:defRPr sz="1200" kern="1200">
+        <a:solidFill>
+          <a:schemeClr val="tx1"/>
+        </a:solidFill>
+        <a:latin typeface="+mn-lt"/>
+        <a:ea typeface="+mn-ea"/>
+        <a:cs typeface="+mn-cs"/>
+      </a:defRPr>
+    </a:lvl5pPr>
+    <a:lvl6pPr marL="2286000" algn="l" defTabSz="914400" rtl="0" eaLnBrk="1" latinLnBrk="0" hangingPunct="1">
+      <a:defRPr sz="1200" kern="1200">
+        <a:solidFill>
+          <a:schemeClr val="tx1"/>
+        </a:solidFill>
+        <a:latin typeface="+mn-lt"/>
+        <a:ea typeface="+mn-ea"/>
+        <a:cs typeface="+mn-cs"/>
+      </a:defRPr>
+    </a:lvl6pPr>
+    <a:lvl7pPr marL="2743200" algn="l" defTabSz="914400" rtl="0" eaLnBrk="1" latinLnBrk="0" hangingPunct="1">
+      <a:defRPr sz="1200" kern="1200">
+        <a:solidFill>
+          <a:schemeClr val="tx1"/>
+        </a:solidFill>
+        <a:latin typeface="+mn-lt"/>
+        <a:ea typeface="+mn-ea"/>
+        <a:cs typeface="+mn-cs"/>
+      </a:defRPr>
+    </a:lvl7pPr>
+    <a:lvl8pPr marL="3200400" algn="l" defTabSz="914400" rtl="0" eaLnBrk="1" latinLnBrk="0" hangingPunct="1">
+      <a:defRPr sz="1200" kern="1200">
+        <a:solidFill>
+          <a:schemeClr val="tx1"/>
+        </a:solidFill>
+        <a:latin typeface="+mn-lt"/>
+        <a:ea typeface="+mn-ea"/>
+        <a:cs typeface="+mn-cs"/>
+      </a:defRPr>
+    </a:lvl8pPr>
+    <a:lvl9pPr marL="3657600" algn="l" defTabSz="914400" rtl="0" eaLnBrk="1" latinLnBrk="0" hangingPunct="1">
+      <a:defRPr sz="1200" kern="1200">
+        <a:solidFill>
+          <a:schemeClr val="tx1"/>
+        </a:solidFill>
+        <a:latin typeface="+mn-lt"/>
+        <a:ea typeface="+mn-ea"/>
+        <a:cs typeface="+mn-cs"/>
+      </a:defRPr>
+    </a:lvl9pPr>
+  </p:notesStyle>
+</p:notesMaster>
+</file>
+
+<file path=ppt/notesSlides/notesSlide1.xml><?xml version="1.0" encoding="utf-8"?>
+<p:notes xmlns:a="http://schemas.openxmlformats.org/drawingml/2006/main" xmlns:r="http://schemas.openxmlformats.org/officeDocument/2006/relationships" xmlns:p="http://schemas.openxmlformats.org/presentationml/2006/main">
+  <p:cSld>
+    <p:spTree>
+      <p:nvGrpSpPr>
+        <p:cNvPr id="1" name=""/>
+        <p:cNvGrpSpPr/>
+        <p:nvPr/>
+      </p:nvGrpSpPr>
+      <p:grpSpPr>
+        <a:xfrm>
+          <a:off x="0" y="0"/>
+          <a:ext cx="0" cy="0"/>
+          <a:chOff x="0" y="0"/>
+          <a:chExt cx="0" cy="0"/>
+        </a:xfrm>
+      </p:grpSpPr>
+      <p:sp>
+        <p:nvSpPr>
+          <p:cNvPr id="2" name="Slide Image Placeholder 1"/>
+          <p:cNvSpPr>
+            <a:spLocks noGrp="1" noRot="1" noChangeAspect="1"/>
+          </p:cNvSpPr>
+          <p:nvPr>
+            <p:ph type="sldImg"/>
+          </p:nvPr>
+        </p:nvSpPr>
+        <p:spPr/>
+      </p:sp>
+      <p:sp>
+        <p:nvSpPr>
+          <p:cNvPr id="3" name="Notes Placeholder 2"/>
+          <p:cNvSpPr>
+            <a:spLocks noGrp="1"/>
+          </p:cNvSpPr>
+          <p:nvPr>
+            <p:ph type="body" idx="1"/>
+          </p:nvPr>
+        </p:nvSpPr>
+        <p:spPr/>
+        <p:txBody>
+          <a:bodyPr/>
+          <a:lstStyle/>
+          <a:p>
+            <a:endParaRPr lang="en-CA" dirty="0"/>
+          </a:p>
+        </p:txBody>
+      </p:sp>
+      <p:sp>
+        <p:nvSpPr>
+          <p:cNvPr id="4" name="Slide Number Placeholder 3"/>
+          <p:cNvSpPr>
+            <a:spLocks noGrp="1"/>
+          </p:cNvSpPr>
+          <p:nvPr>
+            <p:ph type="sldNum" sz="quarter" idx="10"/>
+          </p:nvPr>
+        </p:nvSpPr>
+        <p:spPr/>
+        <p:txBody>
+          <a:bodyPr/>
+          <a:lstStyle/>
+          <a:p>
+            <a:fld id="{9DF57301-B74E-43BD-B10A-FB446A59A666}" type="slidenum">
+              <a:rPr lang="en-CA" smtClean="0"/>
+              <a:t>1</a:t>
+            </a:fld>
+            <a:endParaRPr lang="en-CA"/>
+          </a:p>
+        </p:txBody>
+      </p:sp>
+    </p:spTree>
+    <p:extLst>
+      <p:ext uri="{BB962C8B-B14F-4D97-AF65-F5344CB8AC3E}">
+        <p14:creationId xmlns:p14="http://schemas.microsoft.com/office/powerpoint/2010/main" val="815390853"/>
+      </p:ext>
+    </p:extLst>
+  </p:cSld>
+  <p:clrMapOvr>
+    <a:masterClrMapping/>
+  </p:clrMapOvr>
+</p:notes>
+</file>
+
 <file path=ppt/slideLayouts/slideLayout1.xml><?xml version="1.0" encoding="utf-8"?>
 <p:sldLayout xmlns:a="http://schemas.openxmlformats.org/drawingml/2006/main" xmlns:r="http://schemas.openxmlformats.org/officeDocument/2006/relationships" xmlns:p="http://schemas.openxmlformats.org/presentationml/2006/main" type="title" preserve="1">
   <p:cSld name="Title Slide">
@@ -288,7 +725,7 @@
           <a:p>
             <a:fld id="{57E13E19-9712-4C08-A35C-78B78B9B3BC2}" type="datetimeFigureOut">
               <a:rPr lang="en-CA" smtClean="0"/>
-              <a:t>11/06/2014</a:t>
+              <a:t>05/07/2014</a:t>
             </a:fld>
             <a:endParaRPr lang="en-CA"/>
           </a:p>
@@ -458,7 +895,7 @@
           <a:p>
             <a:fld id="{57E13E19-9712-4C08-A35C-78B78B9B3BC2}" type="datetimeFigureOut">
               <a:rPr lang="en-CA" smtClean="0"/>
-              <a:t>11/06/2014</a:t>
+              <a:t>05/07/2014</a:t>
             </a:fld>
             <a:endParaRPr lang="en-CA"/>
           </a:p>
@@ -638,7 +1075,7 @@
           <a:p>
             <a:fld id="{57E13E19-9712-4C08-A35C-78B78B9B3BC2}" type="datetimeFigureOut">
               <a:rPr lang="en-CA" smtClean="0"/>
-              <a:t>11/06/2014</a:t>
+              <a:t>05/07/2014</a:t>
             </a:fld>
             <a:endParaRPr lang="en-CA"/>
           </a:p>
@@ -808,7 +1245,7 @@
           <a:p>
             <a:fld id="{57E13E19-9712-4C08-A35C-78B78B9B3BC2}" type="datetimeFigureOut">
               <a:rPr lang="en-CA" smtClean="0"/>
-              <a:t>11/06/2014</a:t>
+              <a:t>05/07/2014</a:t>
             </a:fld>
             <a:endParaRPr lang="en-CA"/>
           </a:p>
@@ -1054,7 +1491,7 @@
           <a:p>
             <a:fld id="{57E13E19-9712-4C08-A35C-78B78B9B3BC2}" type="datetimeFigureOut">
               <a:rPr lang="en-CA" smtClean="0"/>
-              <a:t>11/06/2014</a:t>
+              <a:t>05/07/2014</a:t>
             </a:fld>
             <a:endParaRPr lang="en-CA"/>
           </a:p>
@@ -1342,7 +1779,7 @@
           <a:p>
             <a:fld id="{57E13E19-9712-4C08-A35C-78B78B9B3BC2}" type="datetimeFigureOut">
               <a:rPr lang="en-CA" smtClean="0"/>
-              <a:t>11/06/2014</a:t>
+              <a:t>05/07/2014</a:t>
             </a:fld>
             <a:endParaRPr lang="en-CA"/>
           </a:p>
@@ -1764,7 +2201,7 @@
           <a:p>
             <a:fld id="{57E13E19-9712-4C08-A35C-78B78B9B3BC2}" type="datetimeFigureOut">
               <a:rPr lang="en-CA" smtClean="0"/>
-              <a:t>11/06/2014</a:t>
+              <a:t>05/07/2014</a:t>
             </a:fld>
             <a:endParaRPr lang="en-CA"/>
           </a:p>
@@ -1882,7 +2319,7 @@
           <a:p>
             <a:fld id="{57E13E19-9712-4C08-A35C-78B78B9B3BC2}" type="datetimeFigureOut">
               <a:rPr lang="en-CA" smtClean="0"/>
-              <a:t>11/06/2014</a:t>
+              <a:t>05/07/2014</a:t>
             </a:fld>
             <a:endParaRPr lang="en-CA"/>
           </a:p>
@@ -1977,7 +2414,7 @@
           <a:p>
             <a:fld id="{57E13E19-9712-4C08-A35C-78B78B9B3BC2}" type="datetimeFigureOut">
               <a:rPr lang="en-CA" smtClean="0"/>
-              <a:t>11/06/2014</a:t>
+              <a:t>05/07/2014</a:t>
             </a:fld>
             <a:endParaRPr lang="en-CA"/>
           </a:p>
@@ -2254,7 +2691,7 @@
           <a:p>
             <a:fld id="{57E13E19-9712-4C08-A35C-78B78B9B3BC2}" type="datetimeFigureOut">
               <a:rPr lang="en-CA" smtClean="0"/>
-              <a:t>11/06/2014</a:t>
+              <a:t>05/07/2014</a:t>
             </a:fld>
             <a:endParaRPr lang="en-CA"/>
           </a:p>
@@ -2507,7 +2944,7 @@
           <a:p>
             <a:fld id="{57E13E19-9712-4C08-A35C-78B78B9B3BC2}" type="datetimeFigureOut">
               <a:rPr lang="en-CA" smtClean="0"/>
-              <a:t>11/06/2014</a:t>
+              <a:t>05/07/2014</a:t>
             </a:fld>
             <a:endParaRPr lang="en-CA"/>
           </a:p>
@@ -2720,7 +3157,7 @@
           <a:p>
             <a:fld id="{57E13E19-9712-4C08-A35C-78B78B9B3BC2}" type="datetimeFigureOut">
               <a:rPr lang="en-CA" smtClean="0"/>
-              <a:t>11/06/2014</a:t>
+              <a:t>05/07/2014</a:t>
             </a:fld>
             <a:endParaRPr lang="en-CA"/>
           </a:p>
@@ -3098,15 +3535,15 @@
       <p:sp>
         <p:nvSpPr>
           <p:cNvPr id="50" name="Rounded Rectangle 49">
-            <a:hlinkClick r:id="rId2"/>
+            <a:hlinkClick r:id="rId3"/>
           </p:cNvPr>
           <p:cNvSpPr/>
           <p:nvPr/>
         </p:nvSpPr>
         <p:spPr>
           <a:xfrm>
-            <a:off x="2627783" y="966358"/>
-            <a:ext cx="2678948" cy="1044774"/>
+            <a:off x="2651032" y="1936106"/>
+            <a:ext cx="2678948" cy="1813945"/>
           </a:xfrm>
           <a:prstGeom prst="roundRect">
             <a:avLst>
@@ -3151,25 +3588,20 @@
               </a:rPr>
               <a:t>Machine</a:t>
             </a:r>
-            <a:endParaRPr lang="en-CA" sz="1200" b="1" dirty="0" smtClean="0">
-              <a:solidFill>
-                <a:schemeClr val="tx1"/>
-              </a:solidFill>
-            </a:endParaRPr>
           </a:p>
         </p:txBody>
       </p:sp>
       <p:sp>
         <p:nvSpPr>
           <p:cNvPr id="84" name="Rounded Rectangle 83">
-            <a:hlinkClick r:id="rId3"/>
+            <a:hlinkClick r:id="rId4"/>
           </p:cNvPr>
           <p:cNvSpPr/>
           <p:nvPr/>
         </p:nvSpPr>
         <p:spPr>
           <a:xfrm>
-            <a:off x="3929587" y="2254321"/>
+            <a:off x="3952836" y="3993240"/>
             <a:ext cx="1377143" cy="1129032"/>
           </a:xfrm>
           <a:prstGeom prst="roundRect">
@@ -3214,11 +3646,6 @@
               </a:rPr>
               <a:t>ES Cluster</a:t>
             </a:r>
-            <a:endParaRPr lang="en-CA" sz="1200" b="1" dirty="0" smtClean="0">
-              <a:solidFill>
-                <a:schemeClr val="tx1"/>
-              </a:solidFill>
-            </a:endParaRPr>
           </a:p>
         </p:txBody>
       </p:sp>
@@ -3230,7 +3657,7 @@
         </p:nvGrpSpPr>
         <p:grpSpPr>
           <a:xfrm>
-            <a:off x="4194473" y="2314095"/>
+            <a:off x="4217722" y="4053014"/>
             <a:ext cx="875038" cy="670402"/>
             <a:chOff x="1944668" y="1262408"/>
             <a:chExt cx="875038" cy="670402"/>
@@ -3245,7 +3672,7 @@
             <p:nvPr/>
           </p:nvPicPr>
           <p:blipFill>
-            <a:blip r:embed="rId4" cstate="print">
+            <a:blip r:embed="rId5" cstate="print">
               <a:extLst>
                 <a:ext uri="{28A0092B-C50C-407E-A947-70E740481C1C}">
                   <a14:useLocalDpi xmlns:a14="http://schemas.microsoft.com/office/drawing/2010/main" val="0"/>
@@ -3275,7 +3702,7 @@
             <p:nvPr/>
           </p:nvPicPr>
           <p:blipFill>
-            <a:blip r:embed="rId4" cstate="print">
+            <a:blip r:embed="rId5" cstate="print">
               <a:extLst>
                 <a:ext uri="{28A0092B-C50C-407E-A947-70E740481C1C}">
                   <a14:useLocalDpi xmlns:a14="http://schemas.microsoft.com/office/drawing/2010/main" val="0"/>
@@ -3305,7 +3732,7 @@
             <p:nvPr/>
           </p:nvPicPr>
           <p:blipFill>
-            <a:blip r:embed="rId4" cstate="print">
+            <a:blip r:embed="rId5" cstate="print">
               <a:extLst>
                 <a:ext uri="{28A0092B-C50C-407E-A947-70E740481C1C}">
                   <a14:useLocalDpi xmlns:a14="http://schemas.microsoft.com/office/drawing/2010/main" val="0"/>
@@ -3335,7 +3762,7 @@
         </p:nvGrpSpPr>
         <p:grpSpPr>
           <a:xfrm>
-            <a:off x="6902258" y="197187"/>
+            <a:off x="6925507" y="1936106"/>
             <a:ext cx="1063365" cy="1519206"/>
             <a:chOff x="7682389" y="870322"/>
             <a:chExt cx="1063365" cy="1519206"/>
@@ -3350,7 +3777,7 @@
             <p:nvPr/>
           </p:nvPicPr>
           <p:blipFill>
-            <a:blip r:embed="rId5" cstate="print">
+            <a:blip r:embed="rId6" cstate="print">
               <a:extLst>
                 <a:ext uri="{28A0092B-C50C-407E-A947-70E740481C1C}">
                   <a14:useLocalDpi xmlns:a14="http://schemas.microsoft.com/office/drawing/2010/main" val="0"/>
@@ -3422,7 +3849,7 @@
         </p:nvCxnSpPr>
         <p:spPr>
           <a:xfrm rot="10800000" flipV="1">
-            <a:off x="4618158" y="728870"/>
+            <a:off x="4641407" y="2467789"/>
             <a:ext cx="2284100" cy="539762"/>
           </a:xfrm>
           <a:prstGeom prst="bentConnector2">
@@ -3460,7 +3887,7 @@
         </p:nvCxnSpPr>
         <p:spPr>
           <a:xfrm rot="16200000" flipH="1">
-            <a:off x="4505172" y="1716393"/>
+            <a:off x="4528421" y="3455312"/>
             <a:ext cx="225972" cy="1"/>
           </a:xfrm>
           <a:prstGeom prst="bentConnector3">
@@ -3501,7 +3928,7 @@
         </p:nvCxnSpPr>
         <p:spPr>
           <a:xfrm rot="10800000">
-            <a:off x="3478063" y="1605205"/>
+            <a:off x="3501312" y="3344124"/>
             <a:ext cx="716411" cy="932358"/>
           </a:xfrm>
           <a:prstGeom prst="bentConnector2">
@@ -3533,14 +3960,14 @@
       <p:sp>
         <p:nvSpPr>
           <p:cNvPr id="94" name="Rounded Rectangle 93">
-            <a:hlinkClick r:id="rId6"/>
+            <a:hlinkClick r:id="rId7"/>
           </p:cNvPr>
           <p:cNvSpPr/>
           <p:nvPr/>
         </p:nvSpPr>
         <p:spPr>
           <a:xfrm>
-            <a:off x="4150105" y="1268632"/>
+            <a:off x="4173354" y="3007551"/>
             <a:ext cx="936105" cy="334776"/>
           </a:xfrm>
           <a:prstGeom prst="roundRect">
@@ -3619,7 +4046,7 @@
         </p:nvSpPr>
         <p:spPr>
           <a:xfrm>
-            <a:off x="983663" y="4033707"/>
+            <a:off x="1006912" y="5772626"/>
             <a:ext cx="2352134" cy="600164"/>
           </a:xfrm>
           <a:prstGeom prst="rect">
@@ -3656,7 +4083,7 @@
         </p:nvCxnSpPr>
         <p:spPr>
           <a:xfrm rot="16200000" flipH="1">
-            <a:off x="4292702" y="1928863"/>
+            <a:off x="4315951" y="3667782"/>
             <a:ext cx="650913" cy="1"/>
           </a:xfrm>
           <a:prstGeom prst="bentConnector3">
@@ -3694,7 +4121,7 @@
         </p:nvGrpSpPr>
         <p:grpSpPr>
           <a:xfrm>
-            <a:off x="983661" y="2621499"/>
+            <a:off x="1006910" y="4360418"/>
             <a:ext cx="1191673" cy="1108763"/>
             <a:chOff x="7685584" y="959333"/>
             <a:chExt cx="1191673" cy="1108763"/>
@@ -3709,7 +4136,7 @@
             <p:nvPr/>
           </p:nvPicPr>
           <p:blipFill>
-            <a:blip r:embed="rId5" cstate="print">
+            <a:blip r:embed="rId6" cstate="print">
               <a:extLst>
                 <a:ext uri="{28A0092B-C50C-407E-A947-70E740481C1C}">
                   <a14:useLocalDpi xmlns:a14="http://schemas.microsoft.com/office/drawing/2010/main" val="0"/>
@@ -3756,7 +4183,6 @@
                 <a:rPr lang="en-CA" sz="1200" b="1" dirty="0" smtClean="0"/>
                 <a:t>Alerts Database</a:t>
               </a:r>
-              <a:endParaRPr lang="en-CA" sz="1200" b="1" dirty="0" smtClean="0"/>
             </a:p>
           </p:txBody>
         </p:sp>
@@ -3764,14 +4190,14 @@
       <p:sp>
         <p:nvSpPr>
           <p:cNvPr id="57" name="Rounded Rectangle 56">
-            <a:hlinkClick r:id="rId6"/>
+            <a:hlinkClick r:id="rId7"/>
           </p:cNvPr>
           <p:cNvSpPr/>
           <p:nvPr/>
         </p:nvSpPr>
         <p:spPr>
           <a:xfrm>
-            <a:off x="3010009" y="1270429"/>
+            <a:off x="3033258" y="3009348"/>
             <a:ext cx="936105" cy="334776"/>
           </a:xfrm>
           <a:prstGeom prst="roundRect">
@@ -3861,7 +4287,7 @@
         </p:nvCxnSpPr>
         <p:spPr>
           <a:xfrm rot="5400000" flipH="1" flipV="1">
-            <a:off x="1702912" y="1314403"/>
+            <a:off x="1726161" y="3053322"/>
             <a:ext cx="1183682" cy="1430511"/>
           </a:xfrm>
           <a:prstGeom prst="bentConnector2">
@@ -3900,8 +4326,8 @@
         </p:nvCxnSpPr>
         <p:spPr>
           <a:xfrm rot="10800000">
-            <a:off x="2754007" y="1437817"/>
-            <a:ext cx="256002" cy="12700"/>
+            <a:off x="2771800" y="3174940"/>
+            <a:ext cx="261458" cy="1797"/>
           </a:xfrm>
           <a:prstGeom prst="bentConnector3">
             <a:avLst>
@@ -3938,7 +4364,7 @@
         </p:nvSpPr>
         <p:spPr>
           <a:xfrm>
-            <a:off x="5219835" y="498037"/>
+            <a:off x="5243084" y="2236956"/>
             <a:ext cx="1729961" cy="230832"/>
           </a:xfrm>
           <a:prstGeom prst="rect">
@@ -3972,7 +4398,7 @@
         </p:nvSpPr>
         <p:spPr>
           <a:xfrm>
-            <a:off x="1869300" y="1224609"/>
+            <a:off x="1892549" y="2963528"/>
             <a:ext cx="460382" cy="230832"/>
           </a:xfrm>
           <a:prstGeom prst="rect">
@@ -4002,7 +4428,7 @@
         </p:nvGrpSpPr>
         <p:grpSpPr>
           <a:xfrm>
-            <a:off x="6967689" y="1842716"/>
+            <a:off x="6990938" y="3581635"/>
             <a:ext cx="928011" cy="1094850"/>
             <a:chOff x="7530463" y="870323"/>
             <a:chExt cx="928011" cy="1094850"/>
@@ -4017,7 +4443,7 @@
             <p:nvPr/>
           </p:nvPicPr>
           <p:blipFill>
-            <a:blip r:embed="rId7" cstate="print">
+            <a:blip r:embed="rId8" cstate="print">
               <a:extLst>
                 <a:ext uri="{28A0092B-C50C-407E-A947-70E740481C1C}">
                   <a14:useLocalDpi xmlns:a14="http://schemas.microsoft.com/office/drawing/2010/main" val="0"/>
@@ -4089,7 +4515,7 @@
         </p:nvCxnSpPr>
         <p:spPr>
           <a:xfrm rot="10800000">
-            <a:off x="5086210" y="1436021"/>
+            <a:off x="5109459" y="3174940"/>
             <a:ext cx="2033406" cy="718775"/>
           </a:xfrm>
           <a:prstGeom prst="bentConnector3">
@@ -4125,7 +4551,7 @@
         </p:nvSpPr>
         <p:spPr>
           <a:xfrm>
-            <a:off x="6102913" y="1943407"/>
+            <a:off x="6126162" y="3682326"/>
             <a:ext cx="1080745" cy="230832"/>
           </a:xfrm>
           <a:prstGeom prst="rect">
@@ -4147,6 +4573,340 @@
           </a:p>
         </p:txBody>
       </p:sp>
+      <p:sp>
+        <p:nvSpPr>
+          <p:cNvPr id="30" name="Rounded Rectangle 29">
+            <a:hlinkClick r:id="rId7"/>
+          </p:cNvPr>
+          <p:cNvSpPr/>
+          <p:nvPr/>
+        </p:nvSpPr>
+        <p:spPr>
+          <a:xfrm>
+            <a:off x="3016731" y="2403742"/>
+            <a:ext cx="936105" cy="334776"/>
+          </a:xfrm>
+          <a:prstGeom prst="roundRect">
+            <a:avLst/>
+          </a:prstGeom>
+          <a:gradFill>
+            <a:gsLst>
+              <a:gs pos="0">
+                <a:schemeClr val="bg1">
+                  <a:lumMod val="95000"/>
+                </a:schemeClr>
+              </a:gs>
+              <a:gs pos="50000">
+                <a:schemeClr val="bg1">
+                  <a:lumMod val="95000"/>
+                </a:schemeClr>
+              </a:gs>
+              <a:gs pos="100000">
+                <a:schemeClr val="bg1">
+                  <a:lumMod val="85000"/>
+                </a:schemeClr>
+              </a:gs>
+            </a:gsLst>
+            <a:lin ang="5400000" scaled="0"/>
+          </a:gradFill>
+          <a:ln>
+            <a:solidFill>
+              <a:schemeClr val="accent6">
+                <a:lumMod val="75000"/>
+              </a:schemeClr>
+            </a:solidFill>
+          </a:ln>
+        </p:spPr>
+        <p:style>
+          <a:lnRef idx="2">
+            <a:schemeClr val="accent1">
+              <a:shade val="50000"/>
+            </a:schemeClr>
+          </a:lnRef>
+          <a:fillRef idx="1">
+            <a:schemeClr val="accent1"/>
+          </a:fillRef>
+          <a:effectRef idx="0">
+            <a:schemeClr val="accent1"/>
+          </a:effectRef>
+          <a:fontRef idx="minor">
+            <a:schemeClr val="lt1"/>
+          </a:fontRef>
+        </p:style>
+        <p:txBody>
+          <a:bodyPr rtlCol="0" anchor="ctr"/>
+          <a:lstStyle/>
+          <a:p>
+            <a:pPr algn="ctr"/>
+            <a:r>
+              <a:rPr lang="en-CA" sz="1200" b="1" dirty="0" smtClean="0">
+                <a:solidFill>
+                  <a:schemeClr val="tx1"/>
+                </a:solidFill>
+              </a:rPr>
+              <a:t>Alert sender</a:t>
+            </a:r>
+            <a:endParaRPr lang="en-CA" sz="1200" b="1" dirty="0">
+              <a:solidFill>
+                <a:schemeClr val="tx1"/>
+              </a:solidFill>
+            </a:endParaRPr>
+          </a:p>
+        </p:txBody>
+      </p:sp>
+      <p:cxnSp>
+        <p:nvCxnSpPr>
+          <p:cNvPr id="31" name="Elbow Connector 30"/>
+          <p:cNvCxnSpPr>
+            <a:endCxn id="30" idx="1"/>
+          </p:cNvCxnSpPr>
+          <p:nvPr/>
+        </p:nvCxnSpPr>
+        <p:spPr>
+          <a:xfrm rot="5400000" flipH="1" flipV="1">
+            <a:off x="1457063" y="2716814"/>
+            <a:ext cx="1705351" cy="1413985"/>
+          </a:xfrm>
+          <a:prstGeom prst="bentConnector2">
+            <a:avLst/>
+          </a:prstGeom>
+          <a:ln w="31750">
+            <a:solidFill>
+              <a:schemeClr val="tx1"/>
+            </a:solidFill>
+            <a:headEnd type="none"/>
+            <a:tailEnd type="arrow"/>
+          </a:ln>
+        </p:spPr>
+        <p:style>
+          <a:lnRef idx="1">
+            <a:schemeClr val="accent1"/>
+          </a:lnRef>
+          <a:fillRef idx="0">
+            <a:schemeClr val="accent1"/>
+          </a:fillRef>
+          <a:effectRef idx="0">
+            <a:schemeClr val="accent1"/>
+          </a:effectRef>
+          <a:fontRef idx="minor">
+            <a:schemeClr val="tx1"/>
+          </a:fontRef>
+        </p:style>
+      </p:cxnSp>
+      <p:grpSp>
+        <p:nvGrpSpPr>
+          <p:cNvPr id="4" name="Group 3"/>
+          <p:cNvGrpSpPr/>
+          <p:nvPr/>
+        </p:nvGrpSpPr>
+        <p:grpSpPr>
+          <a:xfrm>
+            <a:off x="395536" y="987805"/>
+            <a:ext cx="1373607" cy="1216334"/>
+            <a:chOff x="6669394" y="5164459"/>
+            <a:chExt cx="1373607" cy="1216334"/>
+          </a:xfrm>
+        </p:grpSpPr>
+        <p:sp>
+          <p:nvSpPr>
+            <p:cNvPr id="35" name="Rounded Rectangle 34">
+              <a:hlinkClick r:id="rId3"/>
+            </p:cNvPr>
+            <p:cNvSpPr/>
+            <p:nvPr/>
+          </p:nvSpPr>
+          <p:spPr>
+            <a:xfrm>
+              <a:off x="6669394" y="5330681"/>
+              <a:ext cx="1373607" cy="920185"/>
+            </a:xfrm>
+            <a:prstGeom prst="roundRect">
+              <a:avLst>
+                <a:gd name="adj" fmla="val 11757"/>
+              </a:avLst>
+            </a:prstGeom>
+            <a:noFill/>
+            <a:ln>
+              <a:solidFill>
+                <a:schemeClr val="accent1">
+                  <a:lumMod val="40000"/>
+                  <a:lumOff val="60000"/>
+                </a:schemeClr>
+              </a:solidFill>
+            </a:ln>
+          </p:spPr>
+          <p:style>
+            <a:lnRef idx="2">
+              <a:schemeClr val="accent1">
+                <a:shade val="50000"/>
+              </a:schemeClr>
+            </a:lnRef>
+            <a:fillRef idx="1">
+              <a:schemeClr val="accent1"/>
+            </a:fillRef>
+            <a:effectRef idx="0">
+              <a:schemeClr val="accent1"/>
+            </a:effectRef>
+            <a:fontRef idx="minor">
+              <a:schemeClr val="lt1"/>
+            </a:fontRef>
+          </p:style>
+          <p:txBody>
+            <a:bodyPr rtlCol="0" anchor="b" anchorCtr="0"/>
+            <a:lstStyle/>
+            <a:p>
+              <a:pPr algn="ctr"/>
+              <a:r>
+                <a:rPr lang="en-CA" sz="1200" b="1" dirty="0" smtClean="0">
+                  <a:solidFill>
+                    <a:schemeClr val="tx1"/>
+                  </a:solidFill>
+                </a:rPr>
+                <a:t>Mail Server</a:t>
+              </a:r>
+              <a:endParaRPr lang="en-CA" sz="1200" b="1" dirty="0" smtClean="0">
+                <a:solidFill>
+                  <a:schemeClr val="tx1"/>
+                </a:solidFill>
+              </a:endParaRPr>
+            </a:p>
+          </p:txBody>
+        </p:sp>
+        <p:pic>
+          <p:nvPicPr>
+            <p:cNvPr id="1027" name="Picture 3" descr="C:\Users\klahnakoski\AppData\Local\Microsoft\Windows\Temporary Internet Files\Content.IE5\78RMT927\MC900441455[1].png"/>
+            <p:cNvPicPr>
+              <a:picLocks noChangeAspect="1" noChangeArrowheads="1"/>
+            </p:cNvPicPr>
+            <p:nvPr/>
+          </p:nvPicPr>
+          <p:blipFill>
+            <a:blip r:embed="rId9">
+              <a:lum bright="70000" contrast="-70000"/>
+              <a:extLst>
+                <a:ext uri="{BEBA8EAE-BF5A-486C-A8C5-ECC9F3942E4B}">
+                  <a14:imgProps xmlns:a14="http://schemas.microsoft.com/office/drawing/2010/main">
+                    <a14:imgLayer r:embed="rId10">
+                      <a14:imgEffect>
+                        <a14:colorTemperature colorTemp="11500"/>
+                      </a14:imgEffect>
+                      <a14:imgEffect>
+                        <a14:saturation sat="0"/>
+                      </a14:imgEffect>
+                    </a14:imgLayer>
+                  </a14:imgProps>
+                </a:ext>
+                <a:ext uri="{28A0092B-C50C-407E-A947-70E740481C1C}">
+                  <a14:useLocalDpi xmlns:a14="http://schemas.microsoft.com/office/drawing/2010/main" val="0"/>
+                </a:ext>
+              </a:extLst>
+            </a:blip>
+            <a:srcRect/>
+            <a:stretch>
+              <a:fillRect/>
+            </a:stretch>
+          </p:blipFill>
+          <p:spPr bwMode="auto">
+            <a:xfrm>
+              <a:off x="6772538" y="5164459"/>
+              <a:ext cx="1216334" cy="1216334"/>
+            </a:xfrm>
+            <a:prstGeom prst="rect">
+              <a:avLst/>
+            </a:prstGeom>
+            <a:noFill/>
+            <a:extLst>
+              <a:ext uri="{909E8E84-426E-40DD-AFC4-6F175D3DCCD1}">
+                <a14:hiddenFill xmlns:a14="http://schemas.microsoft.com/office/drawing/2010/main">
+                  <a:solidFill>
+                    <a:srgbClr val="FFFFFF"/>
+                  </a:solidFill>
+                </a14:hiddenFill>
+              </a:ext>
+            </a:extLst>
+          </p:spPr>
+        </p:pic>
+      </p:grpSp>
+      <p:cxnSp>
+        <p:nvCxnSpPr>
+          <p:cNvPr id="38" name="Elbow Connector 37"/>
+          <p:cNvCxnSpPr>
+            <a:stCxn id="35" idx="3"/>
+            <a:endCxn id="30" idx="0"/>
+          </p:cNvCxnSpPr>
+          <p:nvPr/>
+        </p:nvCxnSpPr>
+        <p:spPr>
+          <a:xfrm>
+            <a:off x="1769143" y="1614120"/>
+            <a:ext cx="1715641" cy="789622"/>
+          </a:xfrm>
+          <a:prstGeom prst="bentConnector2">
+            <a:avLst/>
+          </a:prstGeom>
+          <a:ln w="31750">
+            <a:solidFill>
+              <a:schemeClr val="tx1"/>
+            </a:solidFill>
+            <a:headEnd type="none"/>
+            <a:tailEnd type="none"/>
+          </a:ln>
+        </p:spPr>
+        <p:style>
+          <a:lnRef idx="1">
+            <a:schemeClr val="accent1"/>
+          </a:lnRef>
+          <a:fillRef idx="0">
+            <a:schemeClr val="accent1"/>
+          </a:fillRef>
+          <a:effectRef idx="0">
+            <a:schemeClr val="accent1"/>
+          </a:effectRef>
+          <a:fontRef idx="minor">
+            <a:schemeClr val="tx1"/>
+          </a:fontRef>
+        </p:style>
+      </p:cxnSp>
+      <p:cxnSp>
+        <p:nvCxnSpPr>
+          <p:cNvPr id="41" name="Elbow Connector 40"/>
+          <p:cNvCxnSpPr>
+            <a:stCxn id="30" idx="0"/>
+          </p:cNvCxnSpPr>
+          <p:nvPr/>
+        </p:nvCxnSpPr>
+        <p:spPr>
+          <a:xfrm rot="16200000" flipV="1">
+            <a:off x="3349341" y="2268298"/>
+            <a:ext cx="270886" cy="1"/>
+          </a:xfrm>
+          <a:prstGeom prst="bentConnector3">
+            <a:avLst>
+              <a:gd name="adj1" fmla="val 50000"/>
+            </a:avLst>
+          </a:prstGeom>
+          <a:ln w="31750">
+            <a:solidFill>
+              <a:schemeClr val="tx1"/>
+            </a:solidFill>
+            <a:tailEnd type="arrow"/>
+          </a:ln>
+        </p:spPr>
+        <p:style>
+          <a:lnRef idx="1">
+            <a:schemeClr val="accent1"/>
+          </a:lnRef>
+          <a:fillRef idx="0">
+            <a:schemeClr val="accent1"/>
+          </a:fillRef>
+          <a:effectRef idx="0">
+            <a:schemeClr val="accent1"/>
+          </a:effectRef>
+          <a:fontRef idx="minor">
+            <a:schemeClr val="tx1"/>
+          </a:fontRef>
+        </p:style>
+      </p:cxnSp>
     </p:spTree>
     <p:extLst>
       <p:ext uri="{BB962C8B-B14F-4D97-AF65-F5344CB8AC3E}">
@@ -4443,4 +5203,289 @@
   <a:objectDefaults/>
   <a:extraClrSchemeLst/>
 </a:theme>
+</file>
+
+<file path=ppt/theme/theme2.xml><?xml version="1.0" encoding="utf-8"?>
+<a:theme xmlns:a="http://schemas.openxmlformats.org/drawingml/2006/main" name="Office Theme">
+  <a:themeElements>
+    <a:clrScheme name="Office">
+      <a:dk1>
+        <a:sysClr val="windowText" lastClr="000000"/>
+      </a:dk1>
+      <a:lt1>
+        <a:sysClr val="window" lastClr="FFFFFF"/>
+      </a:lt1>
+      <a:dk2>
+        <a:srgbClr val="1F497D"/>
+      </a:dk2>
+      <a:lt2>
+        <a:srgbClr val="EEECE1"/>
+      </a:lt2>
+      <a:accent1>
+        <a:srgbClr val="4F81BD"/>
+      </a:accent1>
+      <a:accent2>
+        <a:srgbClr val="C0504D"/>
+      </a:accent2>
+      <a:accent3>
+        <a:srgbClr val="9BBB59"/>
+      </a:accent3>
+      <a:accent4>
+        <a:srgbClr val="8064A2"/>
+      </a:accent4>
+      <a:accent5>
+        <a:srgbClr val="4BACC6"/>
+      </a:accent5>
+      <a:accent6>
+        <a:srgbClr val="F79646"/>
+      </a:accent6>
+      <a:hlink>
+        <a:srgbClr val="0000FF"/>
+      </a:hlink>
+      <a:folHlink>
+        <a:srgbClr val="800080"/>
+      </a:folHlink>
+    </a:clrScheme>
+    <a:fontScheme name="Office">
+      <a:majorFont>
+        <a:latin typeface="Calibri"/>
+        <a:ea typeface=""/>
+        <a:cs typeface=""/>
+        <a:font script="Jpan" typeface="ＭＳ Ｐゴシック"/>
+        <a:font script="Hang" typeface="맑은 고딕"/>
+        <a:font script="Hans" typeface="宋体"/>
+        <a:font script="Hant" typeface="新細明體"/>
+        <a:font script="Arab" typeface="Times New Roman"/>
+        <a:font script="Hebr" typeface="Times New Roman"/>
+        <a:font script="Thai" typeface="Angsana New"/>
+        <a:font script="Ethi" typeface="Nyala"/>
+        <a:font script="Beng" typeface="Vrinda"/>
+        <a:font script="Gujr" typeface="Shruti"/>
+        <a:font script="Khmr" typeface="MoolBoran"/>
+        <a:font script="Knda" typeface="Tunga"/>
+        <a:font script="Guru" typeface="Raavi"/>
+        <a:font script="Cans" typeface="Euphemia"/>
+        <a:font script="Cher" typeface="Plantagenet Cherokee"/>
+        <a:font script="Yiii" typeface="Microsoft Yi Baiti"/>
+        <a:font script="Tibt" typeface="Microsoft Himalaya"/>
+        <a:font script="Thaa" typeface="MV Boli"/>
+        <a:font script="Deva" typeface="Mangal"/>
+        <a:font script="Telu" typeface="Gautami"/>
+        <a:font script="Taml" typeface="Latha"/>
+        <a:font script="Syrc" typeface="Estrangelo Edessa"/>
+        <a:font script="Orya" typeface="Kalinga"/>
+        <a:font script="Mlym" typeface="Kartika"/>
+        <a:font script="Laoo" typeface="DokChampa"/>
+        <a:font script="Sinh" typeface="Iskoola Pota"/>
+        <a:font script="Mong" typeface="Mongolian Baiti"/>
+        <a:font script="Viet" typeface="Times New Roman"/>
+        <a:font script="Uigh" typeface="Microsoft Uighur"/>
+        <a:font script="Geor" typeface="Sylfaen"/>
+      </a:majorFont>
+      <a:minorFont>
+        <a:latin typeface="Calibri"/>
+        <a:ea typeface=""/>
+        <a:cs typeface=""/>
+        <a:font script="Jpan" typeface="ＭＳ Ｐゴシック"/>
+        <a:font script="Hang" typeface="맑은 고딕"/>
+        <a:font script="Hans" typeface="宋体"/>
+        <a:font script="Hant" typeface="新細明體"/>
+        <a:font script="Arab" typeface="Arial"/>
+        <a:font script="Hebr" typeface="Arial"/>
+        <a:font script="Thai" typeface="Cordia New"/>
+        <a:font script="Ethi" typeface="Nyala"/>
+        <a:font script="Beng" typeface="Vrinda"/>
+        <a:font script="Gujr" typeface="Shruti"/>
+        <a:font script="Khmr" typeface="DaunPenh"/>
+        <a:font script="Knda" typeface="Tunga"/>
+        <a:font script="Guru" typeface="Raavi"/>
+        <a:font script="Cans" typeface="Euphemia"/>
+        <a:font script="Cher" typeface="Plantagenet Cherokee"/>
+        <a:font script="Yiii" typeface="Microsoft Yi Baiti"/>
+        <a:font script="Tibt" typeface="Microsoft Himalaya"/>
+        <a:font script="Thaa" typeface="MV Boli"/>
+        <a:font script="Deva" typeface="Mangal"/>
+        <a:font script="Telu" typeface="Gautami"/>
+        <a:font script="Taml" typeface="Latha"/>
+        <a:font script="Syrc" typeface="Estrangelo Edessa"/>
+        <a:font script="Orya" typeface="Kalinga"/>
+        <a:font script="Mlym" typeface="Kartika"/>
+        <a:font script="Laoo" typeface="DokChampa"/>
+        <a:font script="Sinh" typeface="Iskoola Pota"/>
+        <a:font script="Mong" typeface="Mongolian Baiti"/>
+        <a:font script="Viet" typeface="Arial"/>
+        <a:font script="Uigh" typeface="Microsoft Uighur"/>
+        <a:font script="Geor" typeface="Sylfaen"/>
+      </a:minorFont>
+    </a:fontScheme>
+    <a:fmtScheme name="Office">
+      <a:fillStyleLst>
+        <a:solidFill>
+          <a:schemeClr val="phClr"/>
+        </a:solidFill>
+        <a:gradFill rotWithShape="1">
+          <a:gsLst>
+            <a:gs pos="0">
+              <a:schemeClr val="phClr">
+                <a:tint val="50000"/>
+                <a:satMod val="300000"/>
+              </a:schemeClr>
+            </a:gs>
+            <a:gs pos="35000">
+              <a:schemeClr val="phClr">
+                <a:tint val="37000"/>
+                <a:satMod val="300000"/>
+              </a:schemeClr>
+            </a:gs>
+            <a:gs pos="100000">
+              <a:schemeClr val="phClr">
+                <a:tint val="15000"/>
+                <a:satMod val="350000"/>
+              </a:schemeClr>
+            </a:gs>
+          </a:gsLst>
+          <a:lin ang="16200000" scaled="1"/>
+        </a:gradFill>
+        <a:gradFill rotWithShape="1">
+          <a:gsLst>
+            <a:gs pos="0">
+              <a:schemeClr val="phClr">
+                <a:shade val="51000"/>
+                <a:satMod val="130000"/>
+              </a:schemeClr>
+            </a:gs>
+            <a:gs pos="80000">
+              <a:schemeClr val="phClr">
+                <a:shade val="93000"/>
+                <a:satMod val="130000"/>
+              </a:schemeClr>
+            </a:gs>
+            <a:gs pos="100000">
+              <a:schemeClr val="phClr">
+                <a:shade val="94000"/>
+                <a:satMod val="135000"/>
+              </a:schemeClr>
+            </a:gs>
+          </a:gsLst>
+          <a:lin ang="16200000" scaled="0"/>
+        </a:gradFill>
+      </a:fillStyleLst>
+      <a:lnStyleLst>
+        <a:ln w="9525" cap="flat" cmpd="sng" algn="ctr">
+          <a:solidFill>
+            <a:schemeClr val="phClr">
+              <a:shade val="95000"/>
+              <a:satMod val="105000"/>
+            </a:schemeClr>
+          </a:solidFill>
+          <a:prstDash val="solid"/>
+        </a:ln>
+        <a:ln w="25400" cap="flat" cmpd="sng" algn="ctr">
+          <a:solidFill>
+            <a:schemeClr val="phClr"/>
+          </a:solidFill>
+          <a:prstDash val="solid"/>
+        </a:ln>
+        <a:ln w="38100" cap="flat" cmpd="sng" algn="ctr">
+          <a:solidFill>
+            <a:schemeClr val="phClr"/>
+          </a:solidFill>
+          <a:prstDash val="solid"/>
+        </a:ln>
+      </a:lnStyleLst>
+      <a:effectStyleLst>
+        <a:effectStyle>
+          <a:effectLst>
+            <a:outerShdw blurRad="40000" dist="20000" dir="5400000" rotWithShape="0">
+              <a:srgbClr val="000000">
+                <a:alpha val="38000"/>
+              </a:srgbClr>
+            </a:outerShdw>
+          </a:effectLst>
+        </a:effectStyle>
+        <a:effectStyle>
+          <a:effectLst>
+            <a:outerShdw blurRad="40000" dist="23000" dir="5400000" rotWithShape="0">
+              <a:srgbClr val="000000">
+                <a:alpha val="35000"/>
+              </a:srgbClr>
+            </a:outerShdw>
+          </a:effectLst>
+        </a:effectStyle>
+        <a:effectStyle>
+          <a:effectLst>
+            <a:outerShdw blurRad="40000" dist="23000" dir="5400000" rotWithShape="0">
+              <a:srgbClr val="000000">
+                <a:alpha val="35000"/>
+              </a:srgbClr>
+            </a:outerShdw>
+          </a:effectLst>
+          <a:scene3d>
+            <a:camera prst="orthographicFront">
+              <a:rot lat="0" lon="0" rev="0"/>
+            </a:camera>
+            <a:lightRig rig="threePt" dir="t">
+              <a:rot lat="0" lon="0" rev="1200000"/>
+            </a:lightRig>
+          </a:scene3d>
+          <a:sp3d>
+            <a:bevelT w="63500" h="25400"/>
+          </a:sp3d>
+        </a:effectStyle>
+      </a:effectStyleLst>
+      <a:bgFillStyleLst>
+        <a:solidFill>
+          <a:schemeClr val="phClr"/>
+        </a:solidFill>
+        <a:gradFill rotWithShape="1">
+          <a:gsLst>
+            <a:gs pos="0">
+              <a:schemeClr val="phClr">
+                <a:tint val="40000"/>
+                <a:satMod val="350000"/>
+              </a:schemeClr>
+            </a:gs>
+            <a:gs pos="40000">
+              <a:schemeClr val="phClr">
+                <a:tint val="45000"/>
+                <a:shade val="99000"/>
+                <a:satMod val="350000"/>
+              </a:schemeClr>
+            </a:gs>
+            <a:gs pos="100000">
+              <a:schemeClr val="phClr">
+                <a:shade val="20000"/>
+                <a:satMod val="255000"/>
+              </a:schemeClr>
+            </a:gs>
+          </a:gsLst>
+          <a:path path="circle">
+            <a:fillToRect l="50000" t="-80000" r="50000" b="180000"/>
+          </a:path>
+        </a:gradFill>
+        <a:gradFill rotWithShape="1">
+          <a:gsLst>
+            <a:gs pos="0">
+              <a:schemeClr val="phClr">
+                <a:tint val="80000"/>
+                <a:satMod val="300000"/>
+              </a:schemeClr>
+            </a:gs>
+            <a:gs pos="100000">
+              <a:schemeClr val="phClr">
+                <a:shade val="30000"/>
+                <a:satMod val="200000"/>
+              </a:schemeClr>
+            </a:gs>
+          </a:gsLst>
+          <a:path path="circle">
+            <a:fillToRect l="50000" t="50000" r="50000" b="50000"/>
+          </a:path>
+        </a:gradFill>
+      </a:bgFillStyleLst>
+    </a:fmtScheme>
+  </a:themeElements>
+  <a:objectDefaults/>
+  <a:extraClrSchemeLst/>
+</a:theme>
 </file>